--- a/Présentation Projet 1.pptx
+++ b/Présentation Projet 1.pptx
@@ -5,7 +5,7 @@
     <p:sldMasterId id="2147483805" r:id="rId1"/>
   </p:sldMasterIdLst>
   <p:sldIdLst>
-    <p:sldId id="257" r:id="rId2"/>
+    <p:sldId id="258" r:id="rId2"/>
   </p:sldIdLst>
   <p:sldSz cx="12192000" cy="6858000"/>
   <p:notesSz cx="6858000" cy="9144000"/>
@@ -16383,7 +16383,7 @@
           <p:cNvPr id="2" name="Titre 1">
             <a:extLst>
               <a:ext uri="{FF2B5EF4-FFF2-40B4-BE49-F238E27FC236}">
-                <a16:creationId xmlns:a16="http://schemas.microsoft.com/office/drawing/2014/main" id="{5F205B15-FD37-EB99-F7D1-FD3092A525A1}"/>
+                <a16:creationId xmlns:a16="http://schemas.microsoft.com/office/drawing/2014/main" id="{7647C4A6-8ECA-8EEE-BC86-104524EECDBE}"/>
               </a:ext>
             </a:extLst>
           </p:cNvPr>
@@ -16408,15 +16408,15 @@
           <p:cNvPr id="3" name="Espace réservé du contenu 2">
             <a:extLst>
               <a:ext uri="{FF2B5EF4-FFF2-40B4-BE49-F238E27FC236}">
-                <a16:creationId xmlns:a16="http://schemas.microsoft.com/office/drawing/2014/main" id="{93FC8443-33E2-B04A-6B12-512C480B200B}"/>
-              </a:ext>
-            </a:extLst>
-          </p:cNvPr>
-          <p:cNvSpPr>
-            <a:spLocks noGrp="1"/>
-          </p:cNvSpPr>
-          <p:nvPr>
-            <p:ph idx="1"/>
+                <a16:creationId xmlns:a16="http://schemas.microsoft.com/office/drawing/2014/main" id="{DD6AE8D3-87EC-31D5-BAEC-AC65378FA9FB}"/>
+              </a:ext>
+            </a:extLst>
+          </p:cNvPr>
+          <p:cNvSpPr>
+            <a:spLocks noGrp="1"/>
+          </p:cNvSpPr>
+          <p:nvPr>
+            <p:ph sz="quarter" idx="14"/>
           </p:nvPr>
         </p:nvSpPr>
         <p:spPr/>
@@ -16428,10 +16428,105 @@
           </a:p>
         </p:txBody>
       </p:sp>
+      <p:pic>
+        <p:nvPicPr>
+          <p:cNvPr id="6" name="Espace réservé pour une image  5">
+            <a:extLst>
+              <a:ext uri="{FF2B5EF4-FFF2-40B4-BE49-F238E27FC236}">
+                <a16:creationId xmlns:a16="http://schemas.microsoft.com/office/drawing/2014/main" id="{B3316EEF-49ED-E9DB-5588-E241D0565F0C}"/>
+              </a:ext>
+            </a:extLst>
+          </p:cNvPr>
+          <p:cNvPicPr>
+            <a:picLocks noGrp="1" noChangeAspect="1"/>
+          </p:cNvPicPr>
+          <p:nvPr>
+            <p:ph type="pic" sz="quarter" idx="15"/>
+          </p:nvPr>
+        </p:nvPicPr>
+        <p:blipFill>
+          <a:blip r:embed="rId2"/>
+          <a:srcRect b="6690"/>
+          <a:stretch>
+            <a:fillRect/>
+          </a:stretch>
+        </p:blipFill>
+        <p:spPr>
+          <a:xfrm>
+            <a:off x="5737594" y="0"/>
+            <a:ext cx="6454406" cy="6399152"/>
+          </a:xfrm>
+          <a:custGeom>
+            <a:avLst/>
+            <a:gdLst>
+              <a:gd name="connsiteX0" fmla="*/ 0 w 6454406"/>
+              <a:gd name="connsiteY0" fmla="*/ 0 h 6399152"/>
+              <a:gd name="connsiteX1" fmla="*/ 6454406 w 6454406"/>
+              <a:gd name="connsiteY1" fmla="*/ 0 h 6399152"/>
+              <a:gd name="connsiteX2" fmla="*/ 6454406 w 6454406"/>
+              <a:gd name="connsiteY2" fmla="*/ 6399152 h 6399152"/>
+              <a:gd name="connsiteX3" fmla="*/ 601995 w 6454406"/>
+              <a:gd name="connsiteY3" fmla="*/ 6399152 h 6399152"/>
+              <a:gd name="connsiteX4" fmla="*/ 0 w 6454406"/>
+              <a:gd name="connsiteY4" fmla="*/ 5797156 h 6399152"/>
+            </a:gdLst>
+            <a:ahLst/>
+            <a:cxnLst>
+              <a:cxn ang="0">
+                <a:pos x="connsiteX0" y="connsiteY0"/>
+              </a:cxn>
+              <a:cxn ang="0">
+                <a:pos x="connsiteX1" y="connsiteY1"/>
+              </a:cxn>
+              <a:cxn ang="0">
+                <a:pos x="connsiteX2" y="connsiteY2"/>
+              </a:cxn>
+              <a:cxn ang="0">
+                <a:pos x="connsiteX3" y="connsiteY3"/>
+              </a:cxn>
+              <a:cxn ang="0">
+                <a:pos x="connsiteX4" y="connsiteY4"/>
+              </a:cxn>
+            </a:cxnLst>
+            <a:rect l="l" t="t" r="r" b="b"/>
+            <a:pathLst>
+              <a:path w="6454406" h="6399152">
+                <a:moveTo>
+                  <a:pt x="0" y="0"/>
+                </a:moveTo>
+                <a:lnTo>
+                  <a:pt x="6454406" y="0"/>
+                </a:lnTo>
+                <a:lnTo>
+                  <a:pt x="6454406" y="6399152"/>
+                </a:lnTo>
+                <a:lnTo>
+                  <a:pt x="601995" y="6399152"/>
+                </a:lnTo>
+                <a:cubicBezTo>
+                  <a:pt x="269522" y="6399152"/>
+                  <a:pt x="0" y="6129629"/>
+                  <a:pt x="0" y="5797156"/>
+                </a:cubicBezTo>
+                <a:close/>
+              </a:path>
+            </a:pathLst>
+          </a:custGeom>
+          <a:blipFill dpi="0" rotWithShape="1">
+            <a:blip r:embed="rId3">
+              <a:alphaModFix amt="70000"/>
+            </a:blip>
+            <a:srcRect/>
+            <a:stretch>
+              <a:fillRect/>
+            </a:stretch>
+          </a:blipFill>
+        </p:spPr>
+      </p:pic>
     </p:spTree>
     <p:extLst>
       <p:ext uri="{BB962C8B-B14F-4D97-AF65-F5344CB8AC3E}">
-        <p14:creationId xmlns:p14="http://schemas.microsoft.com/office/powerpoint/2010/main" val="3606133621"/>
+        <p14:creationId xmlns:p14="http://schemas.microsoft.com/office/powerpoint/2010/main" val="1157806915"/>
       </p:ext>
     </p:extLst>
   </p:cSld>
